--- a/dengue review 2.pptx
+++ b/dengue review 2.pptx
@@ -859,7 +859,7 @@
             <a:fld id="{DC8927FE-4799-424B-865A-82F8CEF5C088}" type="datetimeFigureOut">
               <a:rPr lang="en-US" smtClean="0"/>
               <a:pPr/>
-              <a:t>1/9/2020</a:t>
+              <a:t>1/31/2020</a:t>
             </a:fld>
             <a:endParaRPr lang="en-US"/>
           </a:p>
@@ -1112,7 +1112,7 @@
             <a:fld id="{DC8927FE-4799-424B-865A-82F8CEF5C088}" type="datetimeFigureOut">
               <a:rPr lang="en-US" smtClean="0"/>
               <a:pPr/>
-              <a:t>1/9/2020</a:t>
+              <a:t>1/31/2020</a:t>
             </a:fld>
             <a:endParaRPr lang="en-US"/>
           </a:p>
@@ -1428,7 +1428,7 @@
             <a:fld id="{DC8927FE-4799-424B-865A-82F8CEF5C088}" type="datetimeFigureOut">
               <a:rPr lang="en-US" smtClean="0"/>
               <a:pPr/>
-              <a:t>1/9/2020</a:t>
+              <a:t>1/31/2020</a:t>
             </a:fld>
             <a:endParaRPr lang="en-US"/>
           </a:p>
@@ -1771,7 +1771,7 @@
             <a:fld id="{DC8927FE-4799-424B-865A-82F8CEF5C088}" type="datetimeFigureOut">
               <a:rPr lang="en-US" smtClean="0"/>
               <a:pPr/>
-              <a:t>1/9/2020</a:t>
+              <a:t>1/31/2020</a:t>
             </a:fld>
             <a:endParaRPr lang="en-US"/>
           </a:p>
@@ -2087,7 +2087,7 @@
             <a:fld id="{DC8927FE-4799-424B-865A-82F8CEF5C088}" type="datetimeFigureOut">
               <a:rPr lang="en-US" smtClean="0"/>
               <a:pPr/>
-              <a:t>1/9/2020</a:t>
+              <a:t>1/31/2020</a:t>
             </a:fld>
             <a:endParaRPr lang="en-US"/>
           </a:p>
@@ -2482,7 +2482,7 @@
             <a:fld id="{DC8927FE-4799-424B-865A-82F8CEF5C088}" type="datetimeFigureOut">
               <a:rPr lang="en-US" smtClean="0"/>
               <a:pPr/>
-              <a:t>1/9/2020</a:t>
+              <a:t>1/31/2020</a:t>
             </a:fld>
             <a:endParaRPr lang="en-US"/>
           </a:p>
@@ -2654,7 +2654,7 @@
             <a:fld id="{DC8927FE-4799-424B-865A-82F8CEF5C088}" type="datetimeFigureOut">
               <a:rPr lang="en-US" smtClean="0"/>
               <a:pPr/>
-              <a:t>1/9/2020</a:t>
+              <a:t>1/31/2020</a:t>
             </a:fld>
             <a:endParaRPr lang="en-US"/>
           </a:p>
@@ -2836,7 +2836,7 @@
             <a:fld id="{DC8927FE-4799-424B-865A-82F8CEF5C088}" type="datetimeFigureOut">
               <a:rPr lang="en-US" smtClean="0"/>
               <a:pPr/>
-              <a:t>1/9/2020</a:t>
+              <a:t>1/31/2020</a:t>
             </a:fld>
             <a:endParaRPr lang="en-US"/>
           </a:p>
@@ -3014,7 +3014,7 @@
             <a:fld id="{DC8927FE-4799-424B-865A-82F8CEF5C088}" type="datetimeFigureOut">
               <a:rPr lang="en-US" smtClean="0"/>
               <a:pPr/>
-              <a:t>1/9/2020</a:t>
+              <a:t>1/31/2020</a:t>
             </a:fld>
             <a:endParaRPr lang="en-US"/>
           </a:p>
@@ -3263,7 +3263,7 @@
             <a:fld id="{DC8927FE-4799-424B-865A-82F8CEF5C088}" type="datetimeFigureOut">
               <a:rPr lang="en-US" smtClean="0"/>
               <a:pPr/>
-              <a:t>1/9/2020</a:t>
+              <a:t>1/31/2020</a:t>
             </a:fld>
             <a:endParaRPr lang="en-US"/>
           </a:p>
@@ -3497,7 +3497,7 @@
             <a:fld id="{DC8927FE-4799-424B-865A-82F8CEF5C088}" type="datetimeFigureOut">
               <a:rPr lang="en-US" smtClean="0"/>
               <a:pPr/>
-              <a:t>1/9/2020</a:t>
+              <a:t>1/31/2020</a:t>
             </a:fld>
             <a:endParaRPr lang="en-US"/>
           </a:p>
@@ -3873,7 +3873,7 @@
             <a:fld id="{DC8927FE-4799-424B-865A-82F8CEF5C088}" type="datetimeFigureOut">
               <a:rPr lang="en-US" smtClean="0"/>
               <a:pPr/>
-              <a:t>1/9/2020</a:t>
+              <a:t>1/31/2020</a:t>
             </a:fld>
             <a:endParaRPr lang="en-US"/>
           </a:p>
@@ -3998,7 +3998,7 @@
             <a:fld id="{DC8927FE-4799-424B-865A-82F8CEF5C088}" type="datetimeFigureOut">
               <a:rPr lang="en-US" smtClean="0"/>
               <a:pPr/>
-              <a:t>1/9/2020</a:t>
+              <a:t>1/31/2020</a:t>
             </a:fld>
             <a:endParaRPr lang="en-US"/>
           </a:p>
@@ -4095,7 +4095,7 @@
             <a:fld id="{DC8927FE-4799-424B-865A-82F8CEF5C088}" type="datetimeFigureOut">
               <a:rPr lang="en-US" smtClean="0"/>
               <a:pPr/>
-              <a:t>1/9/2020</a:t>
+              <a:t>1/31/2020</a:t>
             </a:fld>
             <a:endParaRPr lang="en-US"/>
           </a:p>
@@ -4352,7 +4352,7 @@
             <a:fld id="{DC8927FE-4799-424B-865A-82F8CEF5C088}" type="datetimeFigureOut">
               <a:rPr lang="en-US" smtClean="0"/>
               <a:pPr/>
-              <a:t>1/9/2020</a:t>
+              <a:t>1/31/2020</a:t>
             </a:fld>
             <a:endParaRPr lang="en-US"/>
           </a:p>
@@ -4617,7 +4617,7 @@
             <a:fld id="{DC8927FE-4799-424B-865A-82F8CEF5C088}" type="datetimeFigureOut">
               <a:rPr lang="en-US" smtClean="0"/>
               <a:pPr/>
-              <a:t>1/9/2020</a:t>
+              <a:t>1/31/2020</a:t>
             </a:fld>
             <a:endParaRPr lang="en-US"/>
           </a:p>
@@ -5362,7 +5362,7 @@
             <a:fld id="{DC8927FE-4799-424B-865A-82F8CEF5C088}" type="datetimeFigureOut">
               <a:rPr lang="en-US" smtClean="0"/>
               <a:pPr/>
-              <a:t>1/9/2020</a:t>
+              <a:t>1/31/2020</a:t>
             </a:fld>
             <a:endParaRPr lang="en-US"/>
           </a:p>
@@ -5899,7 +5899,7 @@
         </p:nvSpPr>
         <p:spPr>
           <a:xfrm>
-            <a:off x="-1584835" y="2017529"/>
+            <a:off x="-175135" y="2141252"/>
             <a:ext cx="10442575" cy="965835"/>
           </a:xfrm>
         </p:spPr>
@@ -5909,16 +5909,12 @@
           </a:bodyPr>
           <a:lstStyle/>
           <a:p>
-            <a:r>
-              <a:rPr lang="en-IN" altLang="en-US" sz="4800" dirty="0"/>
-              <a:t/>
-            </a:r>
             <a:br>
               <a:rPr lang="en-IN" altLang="en-US" sz="4800" dirty="0"/>
             </a:br>
             <a:r>
               <a:rPr lang="en-IN" altLang="en-US" dirty="0"/>
-              <a:t>DENGUE PREDICTION</a:t>
+              <a:t>DENGUE DISEASE DETECTION</a:t>
             </a:r>
           </a:p>
         </p:txBody>
@@ -6144,7 +6140,7 @@
           <a:lstStyle/>
           <a:p>
             <a:r>
-              <a:rPr lang="en-IN" dirty="0" smtClean="0"/>
+              <a:rPr lang="en-IN" dirty="0"/>
               <a:t>Dataset Description</a:t>
             </a:r>
             <a:endParaRPr lang="en-US" dirty="0"/>
@@ -6167,73 +6163,73 @@
           <a:lstStyle/>
           <a:p>
             <a:r>
-              <a:rPr lang="en-US" dirty="0" smtClean="0"/>
+              <a:rPr lang="en-US" dirty="0"/>
               <a:t>Dataset consists of the hospital historic patients data.</a:t>
             </a:r>
           </a:p>
           <a:p>
             <a:r>
-              <a:rPr lang="en-US" dirty="0" smtClean="0"/>
+              <a:rPr lang="en-US" dirty="0"/>
               <a:t>It consists general attributes like name, age, gender etc.,</a:t>
             </a:r>
           </a:p>
           <a:p>
             <a:r>
-              <a:rPr lang="en-US" dirty="0" smtClean="0"/>
+              <a:rPr lang="en-US" dirty="0"/>
               <a:t>It also consists of the patient symptoms as follows</a:t>
             </a:r>
           </a:p>
           <a:p>
             <a:pPr lvl="1"/>
             <a:r>
-              <a:rPr lang="en-US" dirty="0" smtClean="0"/>
+              <a:rPr lang="en-US" dirty="0"/>
               <a:t>Fever</a:t>
             </a:r>
           </a:p>
           <a:p>
             <a:pPr lvl="1"/>
             <a:r>
-              <a:rPr lang="en-US" dirty="0" smtClean="0"/>
+              <a:rPr lang="en-US" dirty="0"/>
               <a:t>Vomiting</a:t>
             </a:r>
           </a:p>
           <a:p>
             <a:pPr lvl="1"/>
             <a:r>
-              <a:rPr lang="en-US" dirty="0" smtClean="0"/>
+              <a:rPr lang="en-US" dirty="0"/>
               <a:t>Body Pains</a:t>
             </a:r>
           </a:p>
           <a:p>
             <a:pPr lvl="1"/>
             <a:r>
-              <a:rPr lang="en-US" dirty="0" smtClean="0"/>
+              <a:rPr lang="en-US" dirty="0"/>
               <a:t>Fatigue</a:t>
             </a:r>
           </a:p>
           <a:p>
             <a:pPr lvl="1"/>
             <a:r>
-              <a:rPr lang="en-US" dirty="0" smtClean="0"/>
+              <a:rPr lang="en-US" dirty="0"/>
               <a:t>Chill</a:t>
             </a:r>
           </a:p>
           <a:p>
             <a:pPr lvl="1"/>
             <a:r>
-              <a:rPr lang="en-US" dirty="0" smtClean="0"/>
+              <a:rPr lang="en-US" dirty="0"/>
               <a:t>Stomach Pain</a:t>
             </a:r>
           </a:p>
           <a:p>
             <a:pPr lvl="1"/>
             <a:r>
-              <a:rPr lang="en-US" dirty="0" smtClean="0"/>
+              <a:rPr lang="en-US" dirty="0"/>
               <a:t>And other as needed for processing.</a:t>
             </a:r>
           </a:p>
           <a:p>
-            <a:endParaRPr lang="en-US" dirty="0" smtClean="0"/>
+            <a:endParaRPr lang="en-US" dirty="0"/>
           </a:p>
           <a:p>
             <a:endParaRPr lang="en-US" dirty="0"/>
@@ -6275,7 +6271,7 @@
           <p:cNvPr id="2" name="Title 1">
             <a:extLst>
               <a:ext uri="{FF2B5EF4-FFF2-40B4-BE49-F238E27FC236}">
-                <a16:creationId xmlns="" xmlns:a16="http://schemas.microsoft.com/office/drawing/2014/main" id="{F009E605-08B8-429A-9E0C-6BD6B7F10653}"/>
+                <a16:creationId xmlns:a16="http://schemas.microsoft.com/office/drawing/2014/main" id="{F009E605-08B8-429A-9E0C-6BD6B7F10653}"/>
               </a:ext>
             </a:extLst>
           </p:cNvPr>
@@ -6308,7 +6304,7 @@
           <p:cNvPr id="6" name="Rectangle 5">
             <a:extLst>
               <a:ext uri="{FF2B5EF4-FFF2-40B4-BE49-F238E27FC236}">
-                <a16:creationId xmlns="" xmlns:a16="http://schemas.microsoft.com/office/drawing/2014/main" id="{09019DB1-778F-46E0-A48B-7BBE388AEE0B}"/>
+                <a16:creationId xmlns:a16="http://schemas.microsoft.com/office/drawing/2014/main" id="{09019DB1-778F-46E0-A48B-7BBE388AEE0B}"/>
               </a:ext>
             </a:extLst>
           </p:cNvPr>
@@ -6357,7 +6353,7 @@
           <p:cNvPr id="8" name="Rectangle 7">
             <a:extLst>
               <a:ext uri="{FF2B5EF4-FFF2-40B4-BE49-F238E27FC236}">
-                <a16:creationId xmlns="" xmlns:a16="http://schemas.microsoft.com/office/drawing/2014/main" id="{24EA73F3-99E6-433D-AFBE-1495C1E99AF6}"/>
+                <a16:creationId xmlns:a16="http://schemas.microsoft.com/office/drawing/2014/main" id="{24EA73F3-99E6-433D-AFBE-1495C1E99AF6}"/>
               </a:ext>
             </a:extLst>
           </p:cNvPr>
@@ -6406,7 +6402,7 @@
           <p:cNvPr id="9" name="Rectangle 8">
             <a:extLst>
               <a:ext uri="{FF2B5EF4-FFF2-40B4-BE49-F238E27FC236}">
-                <a16:creationId xmlns="" xmlns:a16="http://schemas.microsoft.com/office/drawing/2014/main" id="{D1AD1BE1-D9A3-49AC-8511-131345D418BB}"/>
+                <a16:creationId xmlns:a16="http://schemas.microsoft.com/office/drawing/2014/main" id="{D1AD1BE1-D9A3-49AC-8511-131345D418BB}"/>
               </a:ext>
             </a:extLst>
           </p:cNvPr>
@@ -6455,7 +6451,7 @@
           <p:cNvPr id="10" name="Rectangle 9">
             <a:extLst>
               <a:ext uri="{FF2B5EF4-FFF2-40B4-BE49-F238E27FC236}">
-                <a16:creationId xmlns="" xmlns:a16="http://schemas.microsoft.com/office/drawing/2014/main" id="{04417F55-AAC8-471A-A163-323A6DADB78A}"/>
+                <a16:creationId xmlns:a16="http://schemas.microsoft.com/office/drawing/2014/main" id="{04417F55-AAC8-471A-A163-323A6DADB78A}"/>
               </a:ext>
             </a:extLst>
           </p:cNvPr>
@@ -6504,7 +6500,7 @@
           <p:cNvPr id="11" name="Rectangle 10">
             <a:extLst>
               <a:ext uri="{FF2B5EF4-FFF2-40B4-BE49-F238E27FC236}">
-                <a16:creationId xmlns="" xmlns:a16="http://schemas.microsoft.com/office/drawing/2014/main" id="{D65ED27D-0131-448E-9F30-88A8DBFCD714}"/>
+                <a16:creationId xmlns:a16="http://schemas.microsoft.com/office/drawing/2014/main" id="{D65ED27D-0131-448E-9F30-88A8DBFCD714}"/>
               </a:ext>
             </a:extLst>
           </p:cNvPr>
@@ -6553,7 +6549,7 @@
           <p:cNvPr id="16" name="Arrow: Right 15">
             <a:extLst>
               <a:ext uri="{FF2B5EF4-FFF2-40B4-BE49-F238E27FC236}">
-                <a16:creationId xmlns="" xmlns:a16="http://schemas.microsoft.com/office/drawing/2014/main" id="{8C44D064-E936-410C-9D98-9210E1FFD695}"/>
+                <a16:creationId xmlns:a16="http://schemas.microsoft.com/office/drawing/2014/main" id="{8C44D064-E936-410C-9D98-9210E1FFD695}"/>
               </a:ext>
             </a:extLst>
           </p:cNvPr>
@@ -6599,7 +6595,7 @@
           <p:cNvPr id="17" name="Arrow: Right 16">
             <a:extLst>
               <a:ext uri="{FF2B5EF4-FFF2-40B4-BE49-F238E27FC236}">
-                <a16:creationId xmlns="" xmlns:a16="http://schemas.microsoft.com/office/drawing/2014/main" id="{93A2547B-76E3-42B4-9533-F665C296F84E}"/>
+                <a16:creationId xmlns:a16="http://schemas.microsoft.com/office/drawing/2014/main" id="{93A2547B-76E3-42B4-9533-F665C296F84E}"/>
               </a:ext>
             </a:extLst>
           </p:cNvPr>
@@ -6645,7 +6641,7 @@
           <p:cNvPr id="18" name="Arrow: Right 17">
             <a:extLst>
               <a:ext uri="{FF2B5EF4-FFF2-40B4-BE49-F238E27FC236}">
-                <a16:creationId xmlns="" xmlns:a16="http://schemas.microsoft.com/office/drawing/2014/main" id="{429AD916-04FD-432B-B123-02A438023BB9}"/>
+                <a16:creationId xmlns:a16="http://schemas.microsoft.com/office/drawing/2014/main" id="{429AD916-04FD-432B-B123-02A438023BB9}"/>
               </a:ext>
             </a:extLst>
           </p:cNvPr>
@@ -6691,7 +6687,7 @@
           <p:cNvPr id="20" name="Arrow: Right 19">
             <a:extLst>
               <a:ext uri="{FF2B5EF4-FFF2-40B4-BE49-F238E27FC236}">
-                <a16:creationId xmlns="" xmlns:a16="http://schemas.microsoft.com/office/drawing/2014/main" id="{14677E34-30CB-4443-8706-EF0BAC6CDBA2}"/>
+                <a16:creationId xmlns:a16="http://schemas.microsoft.com/office/drawing/2014/main" id="{14677E34-30CB-4443-8706-EF0BAC6CDBA2}"/>
               </a:ext>
             </a:extLst>
           </p:cNvPr>
@@ -6767,7 +6763,7 @@
           <p:cNvPr id="2" name="Title 1">
             <a:extLst>
               <a:ext uri="{FF2B5EF4-FFF2-40B4-BE49-F238E27FC236}">
-                <a16:creationId xmlns="" xmlns:a16="http://schemas.microsoft.com/office/drawing/2014/main" id="{22F71F22-718B-410C-A02A-9BD19987795D}"/>
+                <a16:creationId xmlns:a16="http://schemas.microsoft.com/office/drawing/2014/main" id="{22F71F22-718B-410C-A02A-9BD19987795D}"/>
               </a:ext>
             </a:extLst>
           </p:cNvPr>
@@ -6802,7 +6798,7 @@
           <p:cNvPr id="5" name="Picture 4">
             <a:extLst>
               <a:ext uri="{FF2B5EF4-FFF2-40B4-BE49-F238E27FC236}">
-                <a16:creationId xmlns="" xmlns:a16="http://schemas.microsoft.com/office/drawing/2014/main" id="{9C24C10B-5560-4184-8FD6-90142C785F9D}"/>
+                <a16:creationId xmlns:a16="http://schemas.microsoft.com/office/drawing/2014/main" id="{9C24C10B-5560-4184-8FD6-90142C785F9D}"/>
               </a:ext>
             </a:extLst>
           </p:cNvPr>
@@ -6838,7 +6834,7 @@
           <p:cNvPr id="7" name="Picture 6">
             <a:extLst>
               <a:ext uri="{FF2B5EF4-FFF2-40B4-BE49-F238E27FC236}">
-                <a16:creationId xmlns="" xmlns:a16="http://schemas.microsoft.com/office/drawing/2014/main" id="{6E7F8EC8-DC54-47CC-9580-09275709D350}"/>
+                <a16:creationId xmlns:a16="http://schemas.microsoft.com/office/drawing/2014/main" id="{6E7F8EC8-DC54-47CC-9580-09275709D350}"/>
               </a:ext>
             </a:extLst>
           </p:cNvPr>
@@ -6874,7 +6870,7 @@
           <p:cNvPr id="9" name="Picture 8">
             <a:extLst>
               <a:ext uri="{FF2B5EF4-FFF2-40B4-BE49-F238E27FC236}">
-                <a16:creationId xmlns="" xmlns:a16="http://schemas.microsoft.com/office/drawing/2014/main" id="{C22E9EFB-346B-41EC-AF40-2E01F06F2BA0}"/>
+                <a16:creationId xmlns:a16="http://schemas.microsoft.com/office/drawing/2014/main" id="{C22E9EFB-346B-41EC-AF40-2E01F06F2BA0}"/>
               </a:ext>
             </a:extLst>
           </p:cNvPr>
@@ -6910,7 +6906,7 @@
           <p:cNvPr id="11" name="Picture 10">
             <a:extLst>
               <a:ext uri="{FF2B5EF4-FFF2-40B4-BE49-F238E27FC236}">
-                <a16:creationId xmlns="" xmlns:a16="http://schemas.microsoft.com/office/drawing/2014/main" id="{ABE3BEAB-5A35-456D-B49A-DC48BEC3DBFC}"/>
+                <a16:creationId xmlns:a16="http://schemas.microsoft.com/office/drawing/2014/main" id="{ABE3BEAB-5A35-456D-B49A-DC48BEC3DBFC}"/>
               </a:ext>
             </a:extLst>
           </p:cNvPr>
@@ -6946,7 +6942,7 @@
           <p:cNvPr id="13" name="Picture 12">
             <a:extLst>
               <a:ext uri="{FF2B5EF4-FFF2-40B4-BE49-F238E27FC236}">
-                <a16:creationId xmlns="" xmlns:a16="http://schemas.microsoft.com/office/drawing/2014/main" id="{A0519486-25DE-4E11-A1D7-1524FA67BB5E}"/>
+                <a16:creationId xmlns:a16="http://schemas.microsoft.com/office/drawing/2014/main" id="{A0519486-25DE-4E11-A1D7-1524FA67BB5E}"/>
               </a:ext>
             </a:extLst>
           </p:cNvPr>
@@ -6982,7 +6978,7 @@
           <p:cNvPr id="15" name="Picture 14">
             <a:extLst>
               <a:ext uri="{FF2B5EF4-FFF2-40B4-BE49-F238E27FC236}">
-                <a16:creationId xmlns="" xmlns:a16="http://schemas.microsoft.com/office/drawing/2014/main" id="{5DA9D995-45ED-4D03-8F3A-4FA15310DA86}"/>
+                <a16:creationId xmlns:a16="http://schemas.microsoft.com/office/drawing/2014/main" id="{5DA9D995-45ED-4D03-8F3A-4FA15310DA86}"/>
               </a:ext>
             </a:extLst>
           </p:cNvPr>
@@ -7018,7 +7014,7 @@
           <p:cNvPr id="17" name="Picture 16">
             <a:extLst>
               <a:ext uri="{FF2B5EF4-FFF2-40B4-BE49-F238E27FC236}">
-                <a16:creationId xmlns="" xmlns:a16="http://schemas.microsoft.com/office/drawing/2014/main" id="{CA31A435-B93C-48C4-915B-6427D3B05EA6}"/>
+                <a16:creationId xmlns:a16="http://schemas.microsoft.com/office/drawing/2014/main" id="{CA31A435-B93C-48C4-915B-6427D3B05EA6}"/>
               </a:ext>
             </a:extLst>
           </p:cNvPr>
@@ -7054,7 +7050,7 @@
           <p:cNvPr id="19" name="Picture 18">
             <a:extLst>
               <a:ext uri="{FF2B5EF4-FFF2-40B4-BE49-F238E27FC236}">
-                <a16:creationId xmlns="" xmlns:a16="http://schemas.microsoft.com/office/drawing/2014/main" id="{68912D5F-EC7F-4062-84E1-D19EE3C7EF15}"/>
+                <a16:creationId xmlns:a16="http://schemas.microsoft.com/office/drawing/2014/main" id="{68912D5F-EC7F-4062-84E1-D19EE3C7EF15}"/>
               </a:ext>
             </a:extLst>
           </p:cNvPr>
@@ -7090,7 +7086,7 @@
           <p:cNvPr id="21" name="Picture 20">
             <a:extLst>
               <a:ext uri="{FF2B5EF4-FFF2-40B4-BE49-F238E27FC236}">
-                <a16:creationId xmlns="" xmlns:a16="http://schemas.microsoft.com/office/drawing/2014/main" id="{E0C637B4-F18C-4D6F-BDB7-711F986FD4CC}"/>
+                <a16:creationId xmlns:a16="http://schemas.microsoft.com/office/drawing/2014/main" id="{E0C637B4-F18C-4D6F-BDB7-711F986FD4CC}"/>
               </a:ext>
             </a:extLst>
           </p:cNvPr>
@@ -7126,7 +7122,7 @@
           <p:cNvPr id="22" name="TextBox 21">
             <a:extLst>
               <a:ext uri="{FF2B5EF4-FFF2-40B4-BE49-F238E27FC236}">
-                <a16:creationId xmlns="" xmlns:a16="http://schemas.microsoft.com/office/drawing/2014/main" id="{9AD50913-6182-4A83-9AE2-80826AAE2763}"/>
+                <a16:creationId xmlns:a16="http://schemas.microsoft.com/office/drawing/2014/main" id="{9AD50913-6182-4A83-9AE2-80826AAE2763}"/>
               </a:ext>
             </a:extLst>
           </p:cNvPr>
@@ -7161,7 +7157,7 @@
           <p:cNvPr id="23" name="TextBox 22">
             <a:extLst>
               <a:ext uri="{FF2B5EF4-FFF2-40B4-BE49-F238E27FC236}">
-                <a16:creationId xmlns="" xmlns:a16="http://schemas.microsoft.com/office/drawing/2014/main" id="{F11B8799-7D05-4D90-A36E-89FE5566D518}"/>
+                <a16:creationId xmlns:a16="http://schemas.microsoft.com/office/drawing/2014/main" id="{F11B8799-7D05-4D90-A36E-89FE5566D518}"/>
               </a:ext>
             </a:extLst>
           </p:cNvPr>
@@ -7196,7 +7192,7 @@
           <p:cNvPr id="24" name="TextBox 23">
             <a:extLst>
               <a:ext uri="{FF2B5EF4-FFF2-40B4-BE49-F238E27FC236}">
-                <a16:creationId xmlns="" xmlns:a16="http://schemas.microsoft.com/office/drawing/2014/main" id="{9464461A-5F88-4273-ABA7-134746F40E29}"/>
+                <a16:creationId xmlns:a16="http://schemas.microsoft.com/office/drawing/2014/main" id="{9464461A-5F88-4273-ABA7-134746F40E29}"/>
               </a:ext>
             </a:extLst>
           </p:cNvPr>
@@ -7231,7 +7227,7 @@
           <p:cNvPr id="25" name="TextBox 24">
             <a:extLst>
               <a:ext uri="{FF2B5EF4-FFF2-40B4-BE49-F238E27FC236}">
-                <a16:creationId xmlns="" xmlns:a16="http://schemas.microsoft.com/office/drawing/2014/main" id="{8402B140-47E1-431A-B9C1-770CD85D1361}"/>
+                <a16:creationId xmlns:a16="http://schemas.microsoft.com/office/drawing/2014/main" id="{8402B140-47E1-431A-B9C1-770CD85D1361}"/>
               </a:ext>
             </a:extLst>
           </p:cNvPr>
@@ -7266,7 +7262,7 @@
           <p:cNvPr id="26" name="TextBox 25">
             <a:extLst>
               <a:ext uri="{FF2B5EF4-FFF2-40B4-BE49-F238E27FC236}">
-                <a16:creationId xmlns="" xmlns:a16="http://schemas.microsoft.com/office/drawing/2014/main" id="{1EE802EB-1364-4CE2-B5F7-6AAF6E3E7820}"/>
+                <a16:creationId xmlns:a16="http://schemas.microsoft.com/office/drawing/2014/main" id="{1EE802EB-1364-4CE2-B5F7-6AAF6E3E7820}"/>
               </a:ext>
             </a:extLst>
           </p:cNvPr>
@@ -7301,7 +7297,7 @@
           <p:cNvPr id="27" name="TextBox 26">
             <a:extLst>
               <a:ext uri="{FF2B5EF4-FFF2-40B4-BE49-F238E27FC236}">
-                <a16:creationId xmlns="" xmlns:a16="http://schemas.microsoft.com/office/drawing/2014/main" id="{F381B73E-3407-472A-91AE-6ACBFA7C9F4E}"/>
+                <a16:creationId xmlns:a16="http://schemas.microsoft.com/office/drawing/2014/main" id="{F381B73E-3407-472A-91AE-6ACBFA7C9F4E}"/>
               </a:ext>
             </a:extLst>
           </p:cNvPr>
@@ -7336,7 +7332,7 @@
           <p:cNvPr id="28" name="TextBox 27">
             <a:extLst>
               <a:ext uri="{FF2B5EF4-FFF2-40B4-BE49-F238E27FC236}">
-                <a16:creationId xmlns="" xmlns:a16="http://schemas.microsoft.com/office/drawing/2014/main" id="{EC990C87-6176-41BA-8C7B-8EAE9A1D52B3}"/>
+                <a16:creationId xmlns:a16="http://schemas.microsoft.com/office/drawing/2014/main" id="{EC990C87-6176-41BA-8C7B-8EAE9A1D52B3}"/>
               </a:ext>
             </a:extLst>
           </p:cNvPr>
@@ -7371,7 +7367,7 @@
           <p:cNvPr id="30" name="Arrow: Right 29">
             <a:extLst>
               <a:ext uri="{FF2B5EF4-FFF2-40B4-BE49-F238E27FC236}">
-                <a16:creationId xmlns="" xmlns:a16="http://schemas.microsoft.com/office/drawing/2014/main" id="{059A3E31-496C-4D05-8438-8FE613CD78D9}"/>
+                <a16:creationId xmlns:a16="http://schemas.microsoft.com/office/drawing/2014/main" id="{059A3E31-496C-4D05-8438-8FE613CD78D9}"/>
               </a:ext>
             </a:extLst>
           </p:cNvPr>
@@ -7417,7 +7413,7 @@
           <p:cNvPr id="32" name="TextBox 31">
             <a:extLst>
               <a:ext uri="{FF2B5EF4-FFF2-40B4-BE49-F238E27FC236}">
-                <a16:creationId xmlns="" xmlns:a16="http://schemas.microsoft.com/office/drawing/2014/main" id="{039602F0-B46A-41EF-A835-67C55A803710}"/>
+                <a16:creationId xmlns:a16="http://schemas.microsoft.com/office/drawing/2014/main" id="{039602F0-B46A-41EF-A835-67C55A803710}"/>
               </a:ext>
             </a:extLst>
           </p:cNvPr>
@@ -7452,7 +7448,7 @@
           <p:cNvPr id="48" name="Arrow: Right 47">
             <a:extLst>
               <a:ext uri="{FF2B5EF4-FFF2-40B4-BE49-F238E27FC236}">
-                <a16:creationId xmlns="" xmlns:a16="http://schemas.microsoft.com/office/drawing/2014/main" id="{36FB5C60-E5FD-4FC3-8608-842A9472A7EA}"/>
+                <a16:creationId xmlns:a16="http://schemas.microsoft.com/office/drawing/2014/main" id="{36FB5C60-E5FD-4FC3-8608-842A9472A7EA}"/>
               </a:ext>
             </a:extLst>
           </p:cNvPr>
@@ -7498,7 +7494,7 @@
           <p:cNvPr id="49" name="Arrow: Right 48">
             <a:extLst>
               <a:ext uri="{FF2B5EF4-FFF2-40B4-BE49-F238E27FC236}">
-                <a16:creationId xmlns="" xmlns:a16="http://schemas.microsoft.com/office/drawing/2014/main" id="{B102A1D7-D1C6-4F2C-820B-B393D685FB0D}"/>
+                <a16:creationId xmlns:a16="http://schemas.microsoft.com/office/drawing/2014/main" id="{B102A1D7-D1C6-4F2C-820B-B393D685FB0D}"/>
               </a:ext>
             </a:extLst>
           </p:cNvPr>
@@ -7544,7 +7540,7 @@
           <p:cNvPr id="50" name="Arrow: Right 49">
             <a:extLst>
               <a:ext uri="{FF2B5EF4-FFF2-40B4-BE49-F238E27FC236}">
-                <a16:creationId xmlns="" xmlns:a16="http://schemas.microsoft.com/office/drawing/2014/main" id="{BDD33A51-8ADE-4705-B623-C4823372CF17}"/>
+                <a16:creationId xmlns:a16="http://schemas.microsoft.com/office/drawing/2014/main" id="{BDD33A51-8ADE-4705-B623-C4823372CF17}"/>
               </a:ext>
             </a:extLst>
           </p:cNvPr>
@@ -7590,7 +7586,7 @@
           <p:cNvPr id="51" name="Arrow: Right 50">
             <a:extLst>
               <a:ext uri="{FF2B5EF4-FFF2-40B4-BE49-F238E27FC236}">
-                <a16:creationId xmlns="" xmlns:a16="http://schemas.microsoft.com/office/drawing/2014/main" id="{AC6BDCB5-7E09-4118-9558-52391B971E10}"/>
+                <a16:creationId xmlns:a16="http://schemas.microsoft.com/office/drawing/2014/main" id="{AC6BDCB5-7E09-4118-9558-52391B971E10}"/>
               </a:ext>
             </a:extLst>
           </p:cNvPr>
@@ -7636,7 +7632,7 @@
           <p:cNvPr id="52" name="Arrow: Right 51">
             <a:extLst>
               <a:ext uri="{FF2B5EF4-FFF2-40B4-BE49-F238E27FC236}">
-                <a16:creationId xmlns="" xmlns:a16="http://schemas.microsoft.com/office/drawing/2014/main" id="{12983E83-2176-46FC-BC3B-A49A75E21AC3}"/>
+                <a16:creationId xmlns:a16="http://schemas.microsoft.com/office/drawing/2014/main" id="{12983E83-2176-46FC-BC3B-A49A75E21AC3}"/>
               </a:ext>
             </a:extLst>
           </p:cNvPr>
@@ -7682,7 +7678,7 @@
           <p:cNvPr id="53" name="Arrow: Right 52">
             <a:extLst>
               <a:ext uri="{FF2B5EF4-FFF2-40B4-BE49-F238E27FC236}">
-                <a16:creationId xmlns="" xmlns:a16="http://schemas.microsoft.com/office/drawing/2014/main" id="{1FECACDD-E3C5-422C-9984-89A9C8CA3966}"/>
+                <a16:creationId xmlns:a16="http://schemas.microsoft.com/office/drawing/2014/main" id="{1FECACDD-E3C5-422C-9984-89A9C8CA3966}"/>
               </a:ext>
             </a:extLst>
           </p:cNvPr>
@@ -7728,7 +7724,7 @@
           <p:cNvPr id="54" name="Arrow: Right 53">
             <a:extLst>
               <a:ext uri="{FF2B5EF4-FFF2-40B4-BE49-F238E27FC236}">
-                <a16:creationId xmlns="" xmlns:a16="http://schemas.microsoft.com/office/drawing/2014/main" id="{35099A3B-923F-4989-A192-480D1AB319CC}"/>
+                <a16:creationId xmlns:a16="http://schemas.microsoft.com/office/drawing/2014/main" id="{35099A3B-923F-4989-A192-480D1AB319CC}"/>
               </a:ext>
             </a:extLst>
           </p:cNvPr>
@@ -7774,7 +7770,7 @@
           <p:cNvPr id="55" name="TextBox 54">
             <a:extLst>
               <a:ext uri="{FF2B5EF4-FFF2-40B4-BE49-F238E27FC236}">
-                <a16:creationId xmlns="" xmlns:a16="http://schemas.microsoft.com/office/drawing/2014/main" id="{857098C2-3F26-4443-B0DD-EAA545934BC9}"/>
+                <a16:creationId xmlns:a16="http://schemas.microsoft.com/office/drawing/2014/main" id="{857098C2-3F26-4443-B0DD-EAA545934BC9}"/>
               </a:ext>
             </a:extLst>
           </p:cNvPr>
@@ -7809,7 +7805,7 @@
           <p:cNvPr id="56" name="Arrow: Right 55">
             <a:extLst>
               <a:ext uri="{FF2B5EF4-FFF2-40B4-BE49-F238E27FC236}">
-                <a16:creationId xmlns="" xmlns:a16="http://schemas.microsoft.com/office/drawing/2014/main" id="{8A8D1BED-4C89-4338-9548-145E8CE9F74E}"/>
+                <a16:creationId xmlns:a16="http://schemas.microsoft.com/office/drawing/2014/main" id="{8A8D1BED-4C89-4338-9548-145E8CE9F74E}"/>
               </a:ext>
             </a:extLst>
           </p:cNvPr>
@@ -7855,7 +7851,7 @@
           <p:cNvPr id="58" name="Picture 57">
             <a:extLst>
               <a:ext uri="{FF2B5EF4-FFF2-40B4-BE49-F238E27FC236}">
-                <a16:creationId xmlns="" xmlns:a16="http://schemas.microsoft.com/office/drawing/2014/main" id="{B0931DAC-226F-4B34-B43A-3BAA4B204E2D}"/>
+                <a16:creationId xmlns:a16="http://schemas.microsoft.com/office/drawing/2014/main" id="{B0931DAC-226F-4B34-B43A-3BAA4B204E2D}"/>
               </a:ext>
             </a:extLst>
           </p:cNvPr>
@@ -7891,7 +7887,7 @@
           <p:cNvPr id="60" name="Picture 59">
             <a:extLst>
               <a:ext uri="{FF2B5EF4-FFF2-40B4-BE49-F238E27FC236}">
-                <a16:creationId xmlns="" xmlns:a16="http://schemas.microsoft.com/office/drawing/2014/main" id="{1ED07000-F501-4A15-86D8-EE855DBF456F}"/>
+                <a16:creationId xmlns:a16="http://schemas.microsoft.com/office/drawing/2014/main" id="{1ED07000-F501-4A15-86D8-EE855DBF456F}"/>
               </a:ext>
             </a:extLst>
           </p:cNvPr>
@@ -7968,10 +7964,9 @@
           <a:lstStyle/>
           <a:p>
             <a:r>
-              <a:rPr lang="en-US" dirty="0" smtClean="0"/>
+              <a:rPr lang="en-US" dirty="0"/>
               <a:t>Conclusion</a:t>
             </a:r>
-            <a:endParaRPr lang="en-US" dirty="0"/>
           </a:p>
         </p:txBody>
       </p:sp>
@@ -7993,35 +7988,23 @@
           <a:lstStyle/>
           <a:p>
             <a:r>
-              <a:rPr lang="en-US" sz="2000" dirty="0" smtClean="0"/>
+              <a:rPr lang="en-US" sz="2000" dirty="0"/>
               <a:t>To propose dengue detection system for hospitals.</a:t>
             </a:r>
           </a:p>
           <a:p>
             <a:r>
-              <a:rPr lang="en-US" sz="2000" dirty="0" smtClean="0"/>
-              <a:t>To detecting </a:t>
-            </a:r>
-            <a:r>
-              <a:rPr lang="en-US" sz="2000" dirty="0" smtClean="0"/>
-              <a:t>dengue </a:t>
-            </a:r>
-            <a:r>
-              <a:rPr lang="en-US" sz="2000" dirty="0" smtClean="0"/>
-              <a:t>disease in early stage.</a:t>
-            </a:r>
-          </a:p>
-          <a:p>
-            <a:r>
-              <a:rPr lang="en-US" sz="2000" dirty="0" smtClean="0"/>
-              <a:t>To </a:t>
-            </a:r>
-            <a:r>
               <a:rPr lang="en-US" sz="2000" dirty="0"/>
-              <a:t>improve efficiency </a:t>
-            </a:r>
-            <a:r>
-              <a:rPr lang="en-US" sz="2000" smtClean="0"/>
+              <a:t>To detecting dengue disease in early stage.</a:t>
+            </a:r>
+          </a:p>
+          <a:p>
+            <a:r>
+              <a:rPr lang="en-US" sz="2000" dirty="0"/>
+              <a:t>To improve efficiency </a:t>
+            </a:r>
+            <a:r>
+              <a:rPr lang="en-US" sz="2000"/>
               <a:t>for prediction.</a:t>
             </a:r>
             <a:endParaRPr lang="en-US" sz="2000" dirty="0"/>
@@ -8217,31 +8200,26 @@
             </a:r>
             <a:r>
               <a:rPr lang="en-US" sz="2000" dirty="0"/>
-              <a:t> </a:t>
-            </a:r>
-            <a:r>
-              <a:rPr lang="en-US" sz="2000" dirty="0" smtClean="0"/>
-              <a:t>System</a:t>
-            </a:r>
-          </a:p>
-          <a:p>
-            <a:r>
-              <a:rPr lang="en-US" sz="2000" dirty="0" smtClean="0"/>
+              <a:t> System</a:t>
+            </a:r>
+          </a:p>
+          <a:p>
+            <a:r>
+              <a:rPr lang="en-US" sz="2000" dirty="0"/>
               <a:t>Dataset Description</a:t>
             </a:r>
           </a:p>
           <a:p>
             <a:r>
-              <a:rPr lang="en-US" sz="2000" dirty="0" smtClean="0"/>
+              <a:rPr lang="en-US" sz="2000" dirty="0"/>
               <a:t>Architecture</a:t>
             </a:r>
           </a:p>
           <a:p>
             <a:r>
-              <a:rPr lang="en-US" sz="2000" dirty="0" smtClean="0"/>
+              <a:rPr lang="en-US" sz="2000" dirty="0"/>
               <a:t>Conclusion</a:t>
             </a:r>
-            <a:endParaRPr lang="en-US" sz="2000" dirty="0"/>
           </a:p>
           <a:p>
             <a:pPr marL="0" indent="0">
@@ -8408,10 +8386,6 @@
                 <a:sym typeface="+mn-ea"/>
               </a:rPr>
               <a:t>NEED FOR STUDY</a:t>
-            </a:r>
-            <a:r>
-              <a:rPr lang="en-IN" altLang="en-US" dirty="0"/>
-              <a:t/>
             </a:r>
             <a:br>
               <a:rPr lang="en-IN" altLang="en-US" dirty="0"/>
